--- a/presentation_1.pptx
+++ b/presentation_1.pptx
@@ -532,6 +532,34 @@
           <a:bodyPr/>
           <a:lstStyle/>
           <a:p>
+            <a:r>
+              <a:rPr lang="en-GB" dirty="0" smtClean="0"/>
+              <a:t>Introduction</a:t>
+            </a:r>
+          </a:p>
+          <a:p>
+            <a:r>
+              <a:rPr lang="en-GB" dirty="0" smtClean="0"/>
+              <a:t>Doing a Project with co operation with LMZ and </a:t>
+            </a:r>
+            <a:r>
+              <a:rPr lang="en-GB" dirty="0" err="1" smtClean="0"/>
+              <a:t>Hochschule</a:t>
+            </a:r>
+            <a:r>
+              <a:rPr lang="en-GB" dirty="0" smtClean="0"/>
+              <a:t>. </a:t>
+            </a:r>
+          </a:p>
+          <a:p>
+            <a:r>
+              <a:rPr lang="en-GB" dirty="0" smtClean="0"/>
+              <a:t>Project name Data Acquisition</a:t>
+            </a:r>
+            <a:r>
+              <a:rPr lang="en-GB" baseline="0" dirty="0" smtClean="0"/>
+              <a:t> tools.</a:t>
+            </a:r>
             <a:endParaRPr lang="en-GB" dirty="0"/>
           </a:p>
         </p:txBody>
@@ -622,117 +650,33 @@
           <a:bodyPr/>
           <a:lstStyle/>
           <a:p>
-            <a:r>
-              <a:rPr lang="de-DE" dirty="0" err="1" smtClean="0"/>
-              <a:t>Detailed</a:t>
-            </a:r>
+            <a:pPr marL="0" marR="0" lvl="1" indent="0" algn="l" defTabSz="914400" rtl="0" eaLnBrk="1" fontAlgn="auto" latinLnBrk="0" hangingPunct="1">
+              <a:lnSpc>
+                <a:spcPct val="100000"/>
+              </a:lnSpc>
+              <a:spcBef>
+                <a:spcPts val="0"/>
+              </a:spcBef>
+              <a:spcAft>
+                <a:spcPts val="0"/>
+              </a:spcAft>
+              <a:buClrTx/>
+              <a:buSzTx/>
+              <a:buFontTx/>
+              <a:buNone/>
+              <a:tabLst/>
+              <a:defRPr/>
+            </a:pPr>
             <a:r>
               <a:rPr lang="de-DE" dirty="0" smtClean="0"/>
-              <a:t> Project </a:t>
-            </a:r>
-            <a:r>
-              <a:rPr lang="de-DE" dirty="0" err="1" smtClean="0"/>
-              <a:t>requirements</a:t>
-            </a:r>
-            <a:r>
-              <a:rPr lang="de-DE" dirty="0" smtClean="0"/>
-              <a:t> &amp; </a:t>
-            </a:r>
-            <a:r>
-              <a:rPr lang="de-DE" dirty="0" err="1" smtClean="0"/>
-              <a:t>Milestones</a:t>
-            </a:r>
-            <a:r>
-              <a:rPr lang="de-DE" dirty="0" smtClean="0"/>
-              <a:t> (</a:t>
-            </a:r>
-            <a:r>
-              <a:rPr lang="de-DE" dirty="0" err="1" smtClean="0"/>
-              <a:t>can</a:t>
-            </a:r>
-            <a:r>
-              <a:rPr lang="de-DE" dirty="0" smtClean="0"/>
-              <a:t> </a:t>
-            </a:r>
-            <a:r>
-              <a:rPr lang="de-DE" dirty="0" err="1" smtClean="0"/>
-              <a:t>be</a:t>
-            </a:r>
-            <a:r>
-              <a:rPr lang="de-DE" dirty="0" smtClean="0"/>
-              <a:t> </a:t>
-            </a:r>
-            <a:r>
-              <a:rPr lang="de-DE" dirty="0" err="1" smtClean="0"/>
-              <a:t>called</a:t>
-            </a:r>
-            <a:r>
-              <a:rPr lang="de-DE" dirty="0" smtClean="0"/>
-              <a:t> </a:t>
-            </a:r>
-            <a:r>
-              <a:rPr lang="de-DE" dirty="0" err="1" smtClean="0"/>
-              <a:t>concept</a:t>
-            </a:r>
-            <a:r>
-              <a:rPr lang="de-DE" dirty="0" smtClean="0"/>
-              <a:t>)</a:t>
-            </a:r>
-          </a:p>
-          <a:p>
-            <a:pPr lvl="1"/>
-            <a:r>
-              <a:rPr lang="de-DE" dirty="0" smtClean="0"/>
-              <a:t>Mock </a:t>
-            </a:r>
-            <a:r>
-              <a:rPr lang="de-DE" dirty="0" err="1" smtClean="0"/>
-              <a:t>up</a:t>
-            </a:r>
-            <a:r>
-              <a:rPr lang="de-DE" dirty="0" smtClean="0"/>
-              <a:t> </a:t>
-            </a:r>
-            <a:r>
-              <a:rPr lang="de-DE" dirty="0" err="1" smtClean="0"/>
-              <a:t>of</a:t>
-            </a:r>
-            <a:r>
-              <a:rPr lang="de-DE" dirty="0" smtClean="0"/>
-              <a:t> </a:t>
-            </a:r>
-            <a:r>
-              <a:rPr lang="de-DE" dirty="0" err="1" smtClean="0"/>
-              <a:t>the</a:t>
-            </a:r>
-            <a:r>
-              <a:rPr lang="de-DE" dirty="0" smtClean="0"/>
-              <a:t> GUI (</a:t>
-            </a:r>
-            <a:r>
-              <a:rPr lang="de-DE" dirty="0" err="1" smtClean="0"/>
-              <a:t>with</a:t>
-            </a:r>
-            <a:r>
-              <a:rPr lang="de-DE" dirty="0" smtClean="0"/>
-              <a:t> </a:t>
-            </a:r>
-            <a:r>
-              <a:rPr lang="de-DE" dirty="0" err="1" smtClean="0"/>
-              <a:t>the</a:t>
-            </a:r>
-            <a:r>
-              <a:rPr lang="de-DE" dirty="0" smtClean="0"/>
-              <a:t> </a:t>
-            </a:r>
-            <a:r>
-              <a:rPr lang="de-DE" dirty="0" err="1" smtClean="0"/>
-              <a:t>functions</a:t>
-            </a:r>
-            <a:r>
-              <a:rPr lang="de-DE" smtClean="0"/>
-              <a:t>)</a:t>
-            </a:r>
+              <a:t>First milestone is </a:t>
+            </a:r>
+            <a:r>
+              <a:rPr lang="en-US" sz="2000" dirty="0" smtClean="0"/>
+              <a:t>value stores with Coordinates in database and retrieves from database. </a:t>
+            </a:r>
+          </a:p>
+          <a:p>
             <a:endParaRPr lang="de-DE" dirty="0" smtClean="0"/>
           </a:p>
         </p:txBody>
@@ -823,68 +767,25 @@
           <a:bodyPr/>
           <a:lstStyle/>
           <a:p>
-            <a:r>
-              <a:rPr lang="de-DE" dirty="0" err="1" smtClean="0"/>
-              <a:t>Detailed</a:t>
-            </a:r>
+            <a:pPr lvl="1"/>
+            <a:endParaRPr lang="de-DE" dirty="0" smtClean="0"/>
+          </a:p>
+          <a:p>
+            <a:pPr lvl="1"/>
             <a:r>
               <a:rPr lang="de-DE" dirty="0" smtClean="0"/>
-              <a:t> Project </a:t>
-            </a:r>
-            <a:r>
-              <a:rPr lang="de-DE" dirty="0" err="1" smtClean="0"/>
-              <a:t>requirements</a:t>
-            </a:r>
-            <a:r>
-              <a:rPr lang="de-DE" dirty="0" smtClean="0"/>
-              <a:t> &amp; </a:t>
-            </a:r>
-            <a:r>
-              <a:rPr lang="de-DE" dirty="0" err="1" smtClean="0"/>
-              <a:t>Milestones</a:t>
-            </a:r>
-            <a:r>
-              <a:rPr lang="de-DE" dirty="0" smtClean="0"/>
-              <a:t> (</a:t>
-            </a:r>
-            <a:r>
-              <a:rPr lang="de-DE" dirty="0" err="1" smtClean="0"/>
-              <a:t>can</a:t>
-            </a:r>
-            <a:r>
-              <a:rPr lang="de-DE" dirty="0" smtClean="0"/>
-              <a:t> </a:t>
-            </a:r>
-            <a:r>
-              <a:rPr lang="de-DE" dirty="0" err="1" smtClean="0"/>
-              <a:t>be</a:t>
-            </a:r>
-            <a:r>
-              <a:rPr lang="de-DE" dirty="0" smtClean="0"/>
-              <a:t> </a:t>
-            </a:r>
-            <a:r>
-              <a:rPr lang="de-DE" dirty="0" err="1" smtClean="0"/>
-              <a:t>called</a:t>
-            </a:r>
-            <a:r>
-              <a:rPr lang="de-DE" dirty="0" smtClean="0"/>
-              <a:t> </a:t>
-            </a:r>
-            <a:r>
-              <a:rPr lang="de-DE" dirty="0" err="1" smtClean="0"/>
-              <a:t>concept</a:t>
-            </a:r>
-            <a:r>
-              <a:rPr lang="de-DE" dirty="0" smtClean="0"/>
-              <a:t>)</a:t>
+              <a:t>Backend-PHP,Angular</a:t>
+            </a:r>
+            <a:r>
+              <a:rPr lang="de-DE" baseline="0" dirty="0" smtClean="0"/>
+              <a:t> JS, Geojason</a:t>
             </a:r>
           </a:p>
           <a:p>
             <a:pPr lvl="1"/>
             <a:r>
-              <a:rPr lang="de-DE" dirty="0" smtClean="0"/>
-              <a:t>Mock up of the GUI (with the functions)</a:t>
+              <a:rPr lang="de-DE" baseline="0" dirty="0" smtClean="0"/>
+              <a:t>Frontenf-HTML5, CSS3, Leaflet</a:t>
             </a:r>
           </a:p>
           <a:p>
@@ -987,117 +888,6 @@
           <a:bodyPr/>
           <a:lstStyle/>
           <a:p>
-            <a:r>
-              <a:rPr lang="de-DE" dirty="0" err="1" smtClean="0"/>
-              <a:t>Detailed</a:t>
-            </a:r>
-            <a:r>
-              <a:rPr lang="de-DE" dirty="0" smtClean="0"/>
-              <a:t> Project </a:t>
-            </a:r>
-            <a:r>
-              <a:rPr lang="de-DE" dirty="0" err="1" smtClean="0"/>
-              <a:t>requirements</a:t>
-            </a:r>
-            <a:r>
-              <a:rPr lang="de-DE" dirty="0" smtClean="0"/>
-              <a:t> &amp; </a:t>
-            </a:r>
-            <a:r>
-              <a:rPr lang="de-DE" dirty="0" err="1" smtClean="0"/>
-              <a:t>Milestones</a:t>
-            </a:r>
-            <a:r>
-              <a:rPr lang="de-DE" dirty="0" smtClean="0"/>
-              <a:t> (</a:t>
-            </a:r>
-            <a:r>
-              <a:rPr lang="de-DE" dirty="0" err="1" smtClean="0"/>
-              <a:t>can</a:t>
-            </a:r>
-            <a:r>
-              <a:rPr lang="de-DE" dirty="0" smtClean="0"/>
-              <a:t> </a:t>
-            </a:r>
-            <a:r>
-              <a:rPr lang="de-DE" dirty="0" err="1" smtClean="0"/>
-              <a:t>be</a:t>
-            </a:r>
-            <a:r>
-              <a:rPr lang="de-DE" dirty="0" smtClean="0"/>
-              <a:t> </a:t>
-            </a:r>
-            <a:r>
-              <a:rPr lang="de-DE" dirty="0" err="1" smtClean="0"/>
-              <a:t>called</a:t>
-            </a:r>
-            <a:r>
-              <a:rPr lang="de-DE" dirty="0" smtClean="0"/>
-              <a:t> </a:t>
-            </a:r>
-            <a:r>
-              <a:rPr lang="de-DE" dirty="0" err="1" smtClean="0"/>
-              <a:t>concept</a:t>
-            </a:r>
-            <a:r>
-              <a:rPr lang="de-DE" dirty="0" smtClean="0"/>
-              <a:t>)</a:t>
-            </a:r>
-          </a:p>
-          <a:p>
-            <a:pPr lvl="1"/>
-            <a:r>
-              <a:rPr lang="de-DE" dirty="0" smtClean="0"/>
-              <a:t>Mock </a:t>
-            </a:r>
-            <a:r>
-              <a:rPr lang="de-DE" dirty="0" err="1" smtClean="0"/>
-              <a:t>up</a:t>
-            </a:r>
-            <a:r>
-              <a:rPr lang="de-DE" dirty="0" smtClean="0"/>
-              <a:t> </a:t>
-            </a:r>
-            <a:r>
-              <a:rPr lang="de-DE" dirty="0" err="1" smtClean="0"/>
-              <a:t>of</a:t>
-            </a:r>
-            <a:r>
-              <a:rPr lang="de-DE" dirty="0" smtClean="0"/>
-              <a:t> </a:t>
-            </a:r>
-            <a:r>
-              <a:rPr lang="de-DE" dirty="0" err="1" smtClean="0"/>
-              <a:t>the</a:t>
-            </a:r>
-            <a:r>
-              <a:rPr lang="de-DE" dirty="0" smtClean="0"/>
-              <a:t> GUI (</a:t>
-            </a:r>
-            <a:r>
-              <a:rPr lang="de-DE" dirty="0" err="1" smtClean="0"/>
-              <a:t>with</a:t>
-            </a:r>
-            <a:r>
-              <a:rPr lang="de-DE" dirty="0" smtClean="0"/>
-              <a:t> </a:t>
-            </a:r>
-            <a:r>
-              <a:rPr lang="de-DE" dirty="0" err="1" smtClean="0"/>
-              <a:t>the</a:t>
-            </a:r>
-            <a:r>
-              <a:rPr lang="de-DE" dirty="0" smtClean="0"/>
-              <a:t> </a:t>
-            </a:r>
-            <a:r>
-              <a:rPr lang="de-DE" dirty="0" err="1" smtClean="0"/>
-              <a:t>functions</a:t>
-            </a:r>
-            <a:r>
-              <a:rPr lang="de-DE" smtClean="0"/>
-              <a:t>)</a:t>
-            </a:r>
             <a:endParaRPr lang="de-DE" dirty="0" smtClean="0"/>
           </a:p>
         </p:txBody>
@@ -1443,10 +1233,20 @@
             </a:r>
           </a:p>
           <a:p>
+            <a:r>
+              <a:rPr lang="de-DE" dirty="0" smtClean="0"/>
+              <a:t>Detailed Project requirements &amp; Milestones</a:t>
+            </a:r>
+          </a:p>
+          <a:p>
             <a:pPr lvl="1"/>
             <a:r>
+              <a:rPr lang="de-DE" dirty="0" smtClean="0"/>
+              <a:t>Mock </a:t>
+            </a:r>
+            <a:r>
               <a:rPr lang="de-DE" dirty="0" err="1" smtClean="0"/>
-              <a:t>Use</a:t>
+              <a:t>up</a:t>
             </a:r>
             <a:r>
               <a:rPr lang="de-DE" dirty="0" smtClean="0"/>
@@ -1454,7 +1254,7 @@
             </a:r>
             <a:r>
               <a:rPr lang="de-DE" dirty="0" err="1" smtClean="0"/>
-              <a:t>maybe</a:t>
+              <a:t>of</a:t>
             </a:r>
             <a:r>
               <a:rPr lang="de-DE" dirty="0" smtClean="0"/>
@@ -1462,41 +1262,15 @@
             </a:r>
             <a:r>
               <a:rPr lang="de-DE" dirty="0" err="1" smtClean="0"/>
-              <a:t>his</a:t>
+              <a:t>the</a:t>
             </a:r>
             <a:r>
               <a:rPr lang="de-DE" dirty="0" smtClean="0"/>
-              <a:t> spiral</a:t>
-            </a:r>
-          </a:p>
-          <a:p>
+              <a:t> GUI (</a:t>
+            </a:r>
             <a:r>
               <a:rPr lang="de-DE" dirty="0" err="1" smtClean="0"/>
-              <a:t>Detailed</a:t>
-            </a:r>
-            <a:r>
-              <a:rPr lang="de-DE" dirty="0" smtClean="0"/>
-              <a:t> Project </a:t>
-            </a:r>
-            <a:r>
-              <a:rPr lang="de-DE" dirty="0" err="1" smtClean="0"/>
-              <a:t>requirements</a:t>
-            </a:r>
-            <a:r>
-              <a:rPr lang="de-DE" dirty="0" smtClean="0"/>
-              <a:t> &amp; </a:t>
-            </a:r>
-            <a:r>
-              <a:rPr lang="de-DE" dirty="0" err="1" smtClean="0"/>
-              <a:t>Milestones</a:t>
-            </a:r>
-            <a:r>
-              <a:rPr lang="de-DE" dirty="0" smtClean="0"/>
-              <a:t> (</a:t>
-            </a:r>
-            <a:r>
-              <a:rPr lang="de-DE" dirty="0" err="1" smtClean="0"/>
-              <a:t>can</a:t>
+              <a:t>with</a:t>
             </a:r>
             <a:r>
               <a:rPr lang="de-DE" dirty="0" smtClean="0"/>
@@ -1504,7 +1278,7 @@
             </a:r>
             <a:r>
               <a:rPr lang="de-DE" dirty="0" err="1" smtClean="0"/>
-              <a:t>be</a:t>
+              <a:t>the</a:t>
             </a:r>
             <a:r>
               <a:rPr lang="de-DE" dirty="0" smtClean="0"/>
@@ -1512,15 +1286,7 @@
             </a:r>
             <a:r>
               <a:rPr lang="de-DE" dirty="0" err="1" smtClean="0"/>
-              <a:t>called</a:t>
-            </a:r>
-            <a:r>
-              <a:rPr lang="de-DE" dirty="0" smtClean="0"/>
-              <a:t> </a:t>
-            </a:r>
-            <a:r>
-              <a:rPr lang="de-DE" dirty="0" err="1" smtClean="0"/>
-              <a:t>concept</a:t>
+              <a:t>functions</a:t>
             </a:r>
             <a:r>
               <a:rPr lang="de-DE" dirty="0" smtClean="0"/>
@@ -1531,94 +1297,7 @@
             <a:pPr lvl="1"/>
             <a:r>
               <a:rPr lang="de-DE" dirty="0" smtClean="0"/>
-              <a:t>Mock </a:t>
-            </a:r>
-            <a:r>
-              <a:rPr lang="de-DE" dirty="0" err="1" smtClean="0"/>
-              <a:t>up</a:t>
-            </a:r>
-            <a:r>
-              <a:rPr lang="de-DE" dirty="0" smtClean="0"/>
-              <a:t> </a:t>
-            </a:r>
-            <a:r>
-              <a:rPr lang="de-DE" dirty="0" err="1" smtClean="0"/>
-              <a:t>of</a:t>
-            </a:r>
-            <a:r>
-              <a:rPr lang="de-DE" dirty="0" smtClean="0"/>
-              <a:t> </a:t>
-            </a:r>
-            <a:r>
-              <a:rPr lang="de-DE" dirty="0" err="1" smtClean="0"/>
-              <a:t>the</a:t>
-            </a:r>
-            <a:r>
-              <a:rPr lang="de-DE" dirty="0" smtClean="0"/>
-              <a:t> GUI (</a:t>
-            </a:r>
-            <a:r>
-              <a:rPr lang="de-DE" dirty="0" err="1" smtClean="0"/>
-              <a:t>with</a:t>
-            </a:r>
-            <a:r>
-              <a:rPr lang="de-DE" dirty="0" smtClean="0"/>
-              <a:t> </a:t>
-            </a:r>
-            <a:r>
-              <a:rPr lang="de-DE" dirty="0" err="1" smtClean="0"/>
-              <a:t>the</a:t>
-            </a:r>
-            <a:r>
-              <a:rPr lang="de-DE" dirty="0" smtClean="0"/>
-              <a:t> </a:t>
-            </a:r>
-            <a:r>
-              <a:rPr lang="de-DE" dirty="0" err="1" smtClean="0"/>
-              <a:t>functions</a:t>
-            </a:r>
-            <a:r>
-              <a:rPr lang="de-DE" dirty="0" smtClean="0"/>
-              <a:t>)</a:t>
-            </a:r>
-          </a:p>
-          <a:p>
-            <a:pPr lvl="1"/>
-            <a:r>
-              <a:rPr lang="de-DE" dirty="0" smtClean="0"/>
-              <a:t>Mock </a:t>
-            </a:r>
-            <a:r>
-              <a:rPr lang="de-DE" dirty="0" err="1" smtClean="0"/>
-              <a:t>up</a:t>
-            </a:r>
-            <a:r>
-              <a:rPr lang="de-DE" dirty="0" smtClean="0"/>
-              <a:t> </a:t>
-            </a:r>
-            <a:r>
-              <a:rPr lang="de-DE" dirty="0" err="1" smtClean="0"/>
-              <a:t>of</a:t>
-            </a:r>
-            <a:r>
-              <a:rPr lang="de-DE" dirty="0" smtClean="0"/>
-              <a:t> </a:t>
-            </a:r>
-            <a:r>
-              <a:rPr lang="de-DE" dirty="0" err="1" smtClean="0"/>
-              <a:t>theBackEnd</a:t>
-            </a:r>
-            <a:r>
-              <a:rPr lang="de-DE" dirty="0" smtClean="0"/>
-              <a:t> (not a </a:t>
-            </a:r>
-            <a:r>
-              <a:rPr lang="de-DE" dirty="0" err="1" smtClean="0"/>
-              <a:t>bend</a:t>
-            </a:r>
-            <a:r>
-              <a:rPr lang="de-DE" dirty="0" smtClean="0"/>
-              <a:t>)</a:t>
+              <a:t>Mock up of theBackEnd</a:t>
             </a:r>
           </a:p>
           <a:p>
@@ -2367,183 +2046,31 @@
           <a:lstStyle/>
           <a:p>
             <a:r>
+              <a:rPr lang="de-DE" dirty="0" smtClean="0"/>
+              <a:t>Team Member: Sebastian Lemstra(Chair)</a:t>
+            </a:r>
+          </a:p>
+          <a:p>
+            <a:r>
+              <a:rPr lang="de-DE" dirty="0" smtClean="0"/>
+              <a:t>Georg Stubenrauch</a:t>
+            </a:r>
+          </a:p>
+          <a:p>
+            <a:r>
+              <a:rPr lang="de-DE" dirty="0" smtClean="0"/>
+              <a:t>Lili</a:t>
+            </a:r>
+            <a:r>
               <a:rPr lang="de-DE" baseline="0" dirty="0" smtClean="0"/>
-              <a:t>Processing </a:t>
-            </a:r>
-            <a:r>
-              <a:rPr lang="de-DE" baseline="0" dirty="0" err="1" smtClean="0"/>
-              <a:t>of</a:t>
-            </a:r>
+              <a:t> Frisen</a:t>
+            </a:r>
+          </a:p>
+          <a:p>
             <a:r>
               <a:rPr lang="de-DE" baseline="0" dirty="0" smtClean="0"/>
-              <a:t> </a:t>
-            </a:r>
-            <a:r>
-              <a:rPr lang="de-DE" baseline="0" dirty="0" err="1" smtClean="0"/>
-              <a:t>data</a:t>
-            </a:r>
-            <a:endParaRPr lang="de-DE" baseline="0" dirty="0" smtClean="0"/>
-          </a:p>
-          <a:p>
-            <a:r>
-              <a:rPr lang="de-DE" baseline="0" dirty="0" err="1" smtClean="0"/>
-              <a:t>Here</a:t>
-            </a:r>
-            <a:r>
-              <a:rPr lang="de-DE" baseline="0" dirty="0" smtClean="0"/>
-              <a:t> </a:t>
-            </a:r>
-            <a:r>
-              <a:rPr lang="de-DE" baseline="0" dirty="0" err="1" smtClean="0"/>
-              <a:t>interpolation</a:t>
-            </a:r>
-            <a:endParaRPr lang="de-DE" baseline="0" dirty="0" smtClean="0"/>
-          </a:p>
-          <a:p>
-            <a:r>
-              <a:rPr lang="de-DE" baseline="0" dirty="0" err="1" smtClean="0"/>
-              <a:t>Displayed</a:t>
-            </a:r>
-            <a:r>
-              <a:rPr lang="de-DE" baseline="0" dirty="0" smtClean="0"/>
-              <a:t> </a:t>
-            </a:r>
-            <a:r>
-              <a:rPr lang="de-DE" baseline="0" dirty="0" err="1" smtClean="0"/>
-              <a:t>as</a:t>
-            </a:r>
-            <a:r>
-              <a:rPr lang="de-DE" baseline="0" dirty="0" smtClean="0"/>
-              <a:t> </a:t>
-            </a:r>
-            <a:r>
-              <a:rPr lang="de-DE" baseline="0" dirty="0" err="1" smtClean="0"/>
-              <a:t>heat-map</a:t>
-            </a:r>
-            <a:r>
-              <a:rPr lang="de-DE" baseline="0" dirty="0" smtClean="0"/>
-              <a:t> </a:t>
-            </a:r>
-            <a:r>
-              <a:rPr lang="de-DE" baseline="0" dirty="0" err="1" smtClean="0"/>
-              <a:t>with</a:t>
-            </a:r>
-            <a:r>
-              <a:rPr lang="de-DE" baseline="0" dirty="0" smtClean="0"/>
-              <a:t> </a:t>
-            </a:r>
-            <a:r>
-              <a:rPr lang="de-DE" baseline="0" dirty="0" err="1" smtClean="0"/>
-              <a:t>opacity</a:t>
-            </a:r>
-            <a:endParaRPr lang="de-DE" baseline="0" dirty="0" smtClean="0"/>
-          </a:p>
-          <a:p>
-            <a:r>
-              <a:rPr lang="de-DE" baseline="0" dirty="0" err="1" smtClean="0"/>
-              <a:t>Automatically</a:t>
-            </a:r>
-            <a:r>
-              <a:rPr lang="de-DE" baseline="0" dirty="0" smtClean="0"/>
-              <a:t> </a:t>
-            </a:r>
-            <a:r>
-              <a:rPr lang="de-DE" baseline="0" dirty="0" err="1" smtClean="0"/>
-              <a:t>added</a:t>
-            </a:r>
-            <a:r>
-              <a:rPr lang="de-DE" baseline="0" dirty="0" smtClean="0"/>
-              <a:t> </a:t>
-            </a:r>
-            <a:r>
-              <a:rPr lang="de-DE" baseline="0" dirty="0" err="1" smtClean="0"/>
-              <a:t>tiles</a:t>
-            </a:r>
-            <a:r>
-              <a:rPr lang="de-DE" baseline="0" dirty="0" smtClean="0"/>
-              <a:t> (</a:t>
-            </a:r>
-            <a:r>
-              <a:rPr lang="de-DE" baseline="0" dirty="0" err="1" smtClean="0"/>
-              <a:t>no</a:t>
-            </a:r>
-            <a:r>
-              <a:rPr lang="de-DE" baseline="0" dirty="0" smtClean="0"/>
-              <a:t> </a:t>
-            </a:r>
-            <a:r>
-              <a:rPr lang="de-DE" baseline="0" dirty="0" err="1" smtClean="0"/>
-              <a:t>interpolation</a:t>
-            </a:r>
-            <a:r>
-              <a:rPr lang="de-DE" baseline="0" dirty="0" smtClean="0"/>
-              <a:t> </a:t>
-            </a:r>
-            <a:r>
-              <a:rPr lang="de-DE" baseline="0" dirty="0" err="1" smtClean="0"/>
-              <a:t>over</a:t>
-            </a:r>
-            <a:r>
-              <a:rPr lang="de-DE" baseline="0" dirty="0" smtClean="0"/>
-              <a:t> </a:t>
-            </a:r>
-            <a:r>
-              <a:rPr lang="de-DE" baseline="0" dirty="0" err="1" smtClean="0"/>
-              <a:t>the</a:t>
-            </a:r>
-            <a:r>
-              <a:rPr lang="de-DE" baseline="0" dirty="0" smtClean="0"/>
-              <a:t> </a:t>
-            </a:r>
-            <a:r>
-              <a:rPr lang="de-DE" baseline="0" dirty="0" err="1" smtClean="0"/>
-              <a:t>whole</a:t>
-            </a:r>
-            <a:r>
-              <a:rPr lang="de-DE" baseline="0" dirty="0" smtClean="0"/>
-              <a:t> </a:t>
-            </a:r>
-            <a:r>
-              <a:rPr lang="de-DE" baseline="0" dirty="0" err="1" smtClean="0"/>
-              <a:t>area</a:t>
-            </a:r>
-            <a:r>
-              <a:rPr lang="de-DE" baseline="0" dirty="0" smtClean="0"/>
-              <a:t>)</a:t>
-            </a:r>
-          </a:p>
-          <a:p>
-            <a:endParaRPr lang="de-DE" baseline="0" dirty="0" smtClean="0"/>
-          </a:p>
-          <a:p>
-            <a:r>
-              <a:rPr lang="de-DE" baseline="0" dirty="0" smtClean="0"/>
-              <a:t>OPTIONAL</a:t>
-            </a:r>
-          </a:p>
-          <a:p>
-            <a:r>
-              <a:rPr lang="de-DE" baseline="0" dirty="0" smtClean="0"/>
-              <a:t>- </a:t>
-            </a:r>
-            <a:r>
-              <a:rPr lang="de-DE" baseline="0" dirty="0" err="1" smtClean="0"/>
-              <a:t>Printing</a:t>
-            </a:r>
-            <a:r>
-              <a:rPr lang="de-DE" baseline="0" dirty="0" smtClean="0"/>
-              <a:t> </a:t>
-            </a:r>
-            <a:r>
-              <a:rPr lang="de-DE" baseline="0" dirty="0" err="1" smtClean="0"/>
-              <a:t>plugin</a:t>
-            </a:r>
-            <a:r>
-              <a:rPr lang="de-DE" baseline="0" dirty="0" smtClean="0"/>
-              <a:t> </a:t>
-            </a:r>
-          </a:p>
-          <a:p>
+              <a:t>Eltaieb Al- Basheer</a:t>
+            </a:r>
             <a:endParaRPr lang="de-DE" dirty="0" smtClean="0"/>
           </a:p>
         </p:txBody>
@@ -2682,29 +2209,28 @@
           <a:p>
             <a:pPr lvl="1"/>
             <a:r>
-              <a:rPr lang="de-DE" dirty="0" err="1" smtClean="0"/>
-              <a:t>Use</a:t>
-            </a:r>
-            <a:r>
               <a:rPr lang="de-DE" dirty="0" smtClean="0"/>
-              <a:t> </a:t>
-            </a:r>
-            <a:r>
-              <a:rPr lang="de-DE" dirty="0" err="1" smtClean="0"/>
-              <a:t>maybe</a:t>
-            </a:r>
-            <a:r>
-              <a:rPr lang="de-DE" dirty="0" smtClean="0"/>
-              <a:t> </a:t>
-            </a:r>
-            <a:r>
-              <a:rPr lang="de-DE" dirty="0" err="1" smtClean="0"/>
-              <a:t>his</a:t>
-            </a:r>
-            <a:r>
-              <a:rPr lang="de-DE" dirty="0" smtClean="0"/>
-              <a:t> spiral</a:t>
-            </a:r>
+              <a:t>We are following spiral model</a:t>
+            </a:r>
+          </a:p>
+          <a:p>
+            <a:pPr lvl="1"/>
+            <a:r>
+              <a:rPr lang="en-US" sz="1200" dirty="0" smtClean="0">
+                <a:latin typeface="Calibri" pitchFamily="34" charset="0"/>
+              </a:rPr>
+              <a:t>Determine the objectives, alternatives, and constraints on the new iteration.</a:t>
+            </a:r>
+          </a:p>
+          <a:p>
+            <a:pPr lvl="1"/>
+            <a:r>
+              <a:rPr lang="en-US" sz="1200" dirty="0" smtClean="0">
+                <a:latin typeface="Calibri" pitchFamily="34" charset="0"/>
+              </a:rPr>
+              <a:t>Evaluate alternatives and identify and resolve risk issues</a:t>
+            </a:r>
+            <a:endParaRPr lang="de-DE" dirty="0" smtClean="0"/>
           </a:p>
         </p:txBody>
       </p:sp>
@@ -2794,6 +2320,14 @@
           <a:bodyPr/>
           <a:lstStyle/>
           <a:p>
+            <a:r>
+              <a:rPr lang="de-DE" dirty="0" smtClean="0"/>
+              <a:t>Task is divided to every group</a:t>
+            </a:r>
+            <a:r>
+              <a:rPr lang="de-DE" baseline="0" dirty="0" smtClean="0"/>
+              <a:t> member with date. </a:t>
+            </a:r>
             <a:endParaRPr lang="de-DE" dirty="0" smtClean="0"/>
           </a:p>
         </p:txBody>
@@ -2884,116 +2418,52 @@
           <a:bodyPr/>
           <a:lstStyle/>
           <a:p>
-            <a:r>
-              <a:rPr lang="de-DE" dirty="0" err="1" smtClean="0"/>
-              <a:t>Detailed</a:t>
-            </a:r>
+            <a:pPr lvl="1"/>
             <a:r>
               <a:rPr lang="de-DE" dirty="0" smtClean="0"/>
-              <a:t> Project </a:t>
-            </a:r>
-            <a:r>
-              <a:rPr lang="de-DE" dirty="0" err="1" smtClean="0"/>
-              <a:t>requirements</a:t>
-            </a:r>
+              <a:t>Mock up of the GUI (with the functions)</a:t>
+            </a:r>
+          </a:p>
+          <a:p>
+            <a:pPr lvl="1"/>
             <a:r>
               <a:rPr lang="de-DE" dirty="0" smtClean="0"/>
-              <a:t> &amp; </a:t>
-            </a:r>
-            <a:r>
-              <a:rPr lang="de-DE" dirty="0" err="1" smtClean="0"/>
-              <a:t>Milestones</a:t>
-            </a:r>
+              <a:t>Login</a:t>
+            </a:r>
+          </a:p>
+          <a:p>
+            <a:pPr lvl="1"/>
             <a:r>
               <a:rPr lang="de-DE" dirty="0" smtClean="0"/>
-              <a:t> (</a:t>
-            </a:r>
-            <a:r>
-              <a:rPr lang="de-DE" dirty="0" err="1" smtClean="0"/>
-              <a:t>can</a:t>
-            </a:r>
+              <a:t>Basemap</a:t>
+            </a:r>
+          </a:p>
+          <a:p>
+            <a:pPr lvl="1"/>
             <a:r>
               <a:rPr lang="de-DE" dirty="0" smtClean="0"/>
-              <a:t> </a:t>
-            </a:r>
-            <a:r>
-              <a:rPr lang="de-DE" dirty="0" err="1" smtClean="0"/>
-              <a:t>be</a:t>
-            </a:r>
+              <a:t>Zoom</a:t>
+            </a:r>
+          </a:p>
+          <a:p>
+            <a:pPr lvl="1"/>
             <a:r>
               <a:rPr lang="de-DE" dirty="0" smtClean="0"/>
-              <a:t> </a:t>
-            </a:r>
-            <a:r>
-              <a:rPr lang="de-DE" dirty="0" err="1" smtClean="0"/>
-              <a:t>called</a:t>
-            </a:r>
+              <a:t>Markers</a:t>
+            </a:r>
+          </a:p>
+          <a:p>
+            <a:pPr lvl="1"/>
             <a:r>
               <a:rPr lang="de-DE" dirty="0" smtClean="0"/>
-              <a:t> </a:t>
-            </a:r>
-            <a:r>
-              <a:rPr lang="de-DE" dirty="0" err="1" smtClean="0"/>
-              <a:t>concept</a:t>
-            </a:r>
+              <a:t>Heatmap</a:t>
+            </a:r>
+          </a:p>
+          <a:p>
+            <a:pPr lvl="1"/>
             <a:r>
               <a:rPr lang="de-DE" dirty="0" smtClean="0"/>
-              <a:t>)</a:t>
-            </a:r>
-          </a:p>
-          <a:p>
-            <a:pPr lvl="1"/>
-            <a:r>
-              <a:rPr lang="de-DE" dirty="0" smtClean="0"/>
-              <a:t>Mock </a:t>
-            </a:r>
-            <a:r>
-              <a:rPr lang="de-DE" dirty="0" err="1" smtClean="0"/>
-              <a:t>up</a:t>
-            </a:r>
-            <a:r>
-              <a:rPr lang="de-DE" dirty="0" smtClean="0"/>
-              <a:t> </a:t>
-            </a:r>
-            <a:r>
-              <a:rPr lang="de-DE" dirty="0" err="1" smtClean="0"/>
-              <a:t>of</a:t>
-            </a:r>
-            <a:r>
-              <a:rPr lang="de-DE" dirty="0" smtClean="0"/>
-              <a:t> </a:t>
-            </a:r>
-            <a:r>
-              <a:rPr lang="de-DE" dirty="0" err="1" smtClean="0"/>
-              <a:t>the</a:t>
-            </a:r>
-            <a:r>
-              <a:rPr lang="de-DE" dirty="0" smtClean="0"/>
-              <a:t> GUI (</a:t>
-            </a:r>
-            <a:r>
-              <a:rPr lang="de-DE" dirty="0" err="1" smtClean="0"/>
-              <a:t>with</a:t>
-            </a:r>
-            <a:r>
-              <a:rPr lang="de-DE" dirty="0" smtClean="0"/>
-              <a:t> </a:t>
-            </a:r>
-            <a:r>
-              <a:rPr lang="de-DE" dirty="0" err="1" smtClean="0"/>
-              <a:t>the</a:t>
-            </a:r>
-            <a:r>
-              <a:rPr lang="de-DE" dirty="0" smtClean="0"/>
-              <a:t> </a:t>
-            </a:r>
-            <a:r>
-              <a:rPr lang="de-DE" dirty="0" err="1" smtClean="0"/>
-              <a:t>functions</a:t>
-            </a:r>
-            <a:r>
-              <a:rPr lang="de-DE" dirty="0" smtClean="0"/>
-              <a:t>)</a:t>
+              <a:t>Modal window, Input position and save option</a:t>
             </a:r>
           </a:p>
         </p:txBody>
@@ -3083,12 +2553,6 @@
         <p:txBody>
           <a:bodyPr/>
           <a:lstStyle/>
-          <a:p>
-            <a:r>
-              <a:rPr lang="de-DE" dirty="0" smtClean="0"/>
-              <a:t>Detailed Project requirements &amp; Milestones (can be called concept)</a:t>
-            </a:r>
-          </a:p>
           <a:p>
             <a:pPr lvl="1"/>
             <a:r>
@@ -8722,7 +8186,7 @@
             <a:pPr marL="342900" lvl="1" indent="-342900"/>
             <a:r>
               <a:rPr lang="en-US" sz="2000" dirty="0" smtClean="0"/>
-              <a:t>value store with Coordinates in database and retrieves from database. </a:t>
+              <a:t>value stores with Coordinates in database and retrieves from database. </a:t>
             </a:r>
           </a:p>
           <a:p>
@@ -10670,6 +10134,58 @@
           <a:noFill/>
         </p:spPr>
       </p:pic>
+      <p:pic>
+        <p:nvPicPr>
+          <p:cNvPr id="8193" name="Picture 1" descr="C:\Users\Murshed\Desktop\Eltaieb.png"/>
+          <p:cNvPicPr>
+            <a:picLocks noChangeAspect="1" noChangeArrowheads="1"/>
+          </p:cNvPicPr>
+          <p:nvPr/>
+        </p:nvPicPr>
+        <p:blipFill>
+          <a:blip r:embed="rId6" cstate="print"/>
+          <a:srcRect/>
+          <a:stretch>
+            <a:fillRect/>
+          </a:stretch>
+        </p:blipFill>
+        <p:spPr bwMode="auto">
+          <a:xfrm>
+            <a:off x="7294036" y="2768602"/>
+            <a:ext cx="1392763" cy="1392763"/>
+          </a:xfrm>
+          <a:prstGeom prst="rect">
+            <a:avLst/>
+          </a:prstGeom>
+          <a:noFill/>
+        </p:spPr>
+      </p:pic>
+      <p:pic>
+        <p:nvPicPr>
+          <p:cNvPr id="8194" name="Picture 2" descr="C:\Users\Murshed\Downloads\Murshed.png"/>
+          <p:cNvPicPr>
+            <a:picLocks noChangeAspect="1" noChangeArrowheads="1"/>
+          </p:cNvPicPr>
+          <p:nvPr/>
+        </p:nvPicPr>
+        <p:blipFill>
+          <a:blip r:embed="rId7"/>
+          <a:srcRect/>
+          <a:stretch>
+            <a:fillRect/>
+          </a:stretch>
+        </p:blipFill>
+        <p:spPr bwMode="auto">
+          <a:xfrm>
+            <a:off x="3873500" y="2777066"/>
+            <a:ext cx="1467609" cy="1462617"/>
+          </a:xfrm>
+          <a:prstGeom prst="rect">
+            <a:avLst/>
+          </a:prstGeom>
+          <a:noFill/>
+        </p:spPr>
+      </p:pic>
     </p:spTree>
     <p:extLst>
       <p:ext uri="{BB962C8B-B14F-4D97-AF65-F5344CB8AC3E}">
@@ -10874,85 +10390,6 @@
       </p:sp>
       <p:sp>
         <p:nvSpPr>
-          <p:cNvPr id="3" name="Inhaltsplatzhalter 2"/>
-          <p:cNvSpPr>
-            <a:spLocks noGrp="1"/>
-          </p:cNvSpPr>
-          <p:nvPr>
-            <p:ph idx="1"/>
-          </p:nvPr>
-        </p:nvSpPr>
-        <p:spPr>
-          <a:xfrm>
-            <a:off x="503446" y="2505323"/>
-            <a:ext cx="7915931" cy="3636511"/>
-          </a:xfrm>
-          <a:effectLst/>
-        </p:spPr>
-        <p:txBody>
-          <a:bodyPr anchor="t">
-            <a:normAutofit/>
-          </a:bodyPr>
-          <a:lstStyle/>
-          <a:p>
-            <a:r>
-              <a:rPr lang="de-DE" dirty="0" err="1" smtClean="0"/>
-              <a:t>Put</a:t>
-            </a:r>
-            <a:r>
-              <a:rPr lang="de-DE" dirty="0" smtClean="0"/>
-              <a:t> </a:t>
-            </a:r>
-            <a:r>
-              <a:rPr lang="de-DE" dirty="0" err="1" smtClean="0"/>
-              <a:t>here</a:t>
-            </a:r>
-            <a:r>
-              <a:rPr lang="de-DE" dirty="0" smtClean="0"/>
-              <a:t> </a:t>
-            </a:r>
-            <a:r>
-              <a:rPr lang="de-DE" dirty="0" err="1" smtClean="0"/>
-              <a:t>clip</a:t>
-            </a:r>
-            <a:r>
-              <a:rPr lang="de-DE" dirty="0" smtClean="0"/>
-              <a:t> </a:t>
-            </a:r>
-            <a:r>
-              <a:rPr lang="de-DE" dirty="0" err="1" smtClean="0"/>
-              <a:t>of</a:t>
-            </a:r>
-            <a:r>
-              <a:rPr lang="de-DE" dirty="0" smtClean="0"/>
-              <a:t> </a:t>
-            </a:r>
-            <a:r>
-              <a:rPr lang="de-DE" dirty="0" err="1" smtClean="0"/>
-              <a:t>the</a:t>
-            </a:r>
-            <a:r>
-              <a:rPr lang="de-DE" dirty="0" smtClean="0"/>
-              <a:t> </a:t>
-            </a:r>
-            <a:r>
-              <a:rPr lang="de-DE" dirty="0" err="1" smtClean="0"/>
-              <a:t>gantt</a:t>
-            </a:r>
-            <a:r>
-              <a:rPr lang="de-DE" dirty="0" smtClean="0"/>
-              <a:t> </a:t>
-            </a:r>
-            <a:r>
-              <a:rPr lang="de-DE" dirty="0" err="1" smtClean="0"/>
-              <a:t>chart</a:t>
-            </a:r>
-            <a:endParaRPr lang="de-DE" dirty="0" smtClean="0"/>
-          </a:p>
-        </p:txBody>
-      </p:sp>
-      <p:sp>
-        <p:nvSpPr>
           <p:cNvPr id="5" name="Foliennummernplatzhalter 4"/>
           <p:cNvSpPr>
             <a:spLocks noGrp="1"/>
@@ -10975,6 +10412,34 @@
           </a:p>
         </p:txBody>
       </p:sp>
+      <p:pic>
+        <p:nvPicPr>
+          <p:cNvPr id="4097" name="Picture 1" descr="C:\Users\Murshed\Desktop\screenshot_Project_libre.png"/>
+          <p:cNvPicPr>
+            <a:picLocks noGrp="1" noChangeAspect="1" noChangeArrowheads="1"/>
+          </p:cNvPicPr>
+          <p:nvPr>
+            <p:ph idx="1"/>
+          </p:nvPr>
+        </p:nvPicPr>
+        <p:blipFill>
+          <a:blip r:embed="rId3"/>
+          <a:srcRect/>
+          <a:stretch>
+            <a:fillRect/>
+          </a:stretch>
+        </p:blipFill>
+        <p:spPr bwMode="auto">
+          <a:xfrm>
+            <a:off x="409746" y="2381149"/>
+            <a:ext cx="8039987" cy="4205918"/>
+          </a:xfrm>
+          <a:prstGeom prst="rect">
+            <a:avLst/>
+          </a:prstGeom>
+          <a:noFill/>
+        </p:spPr>
+      </p:pic>
     </p:spTree>
     <p:extLst>
       <p:ext uri="{BB962C8B-B14F-4D97-AF65-F5344CB8AC3E}">
@@ -11047,14 +10512,14 @@
         </p:nvSpPr>
         <p:spPr>
           <a:xfrm>
-            <a:off x="283028" y="6032293"/>
-            <a:ext cx="7915931" cy="3636511"/>
+            <a:off x="671844" y="6468533"/>
+            <a:ext cx="7709505" cy="145888"/>
           </a:xfrm>
           <a:effectLst/>
         </p:spPr>
         <p:txBody>
           <a:bodyPr anchor="t">
-            <a:normAutofit/>
+            <a:normAutofit fontScale="25000" lnSpcReduction="20000"/>
           </a:bodyPr>
           <a:lstStyle/>
           <a:p>
@@ -11089,26 +10554,32 @@
           </a:p>
         </p:txBody>
       </p:sp>
-      <p:graphicFrame>
-        <p:nvGraphicFramePr>
-          <p:cNvPr id="2051" name="Object 3"/>
-          <p:cNvGraphicFramePr>
-            <a:graphicFrameLocks noChangeAspect="1"/>
-          </p:cNvGraphicFramePr>
+      <p:pic>
+        <p:nvPicPr>
+          <p:cNvPr id="2052" name="Picture 4" descr="C:\Users\Murshed\Desktop\spider_chart.png"/>
+          <p:cNvPicPr>
+            <a:picLocks noChangeAspect="1" noChangeArrowheads="1"/>
+          </p:cNvPicPr>
           <p:nvPr/>
-        </p:nvGraphicFramePr>
-        <p:xfrm>
-          <a:off x="2234945" y="1753172"/>
-          <a:ext cx="5418138" cy="4064000"/>
-        </p:xfrm>
-        <a:graphic>
-          <a:graphicData uri="http://schemas.openxmlformats.org/presentationml/2006/ole">
-            <p:oleObj spid="_x0000_s2051" name="Acrobat Document" r:id="rId4" imgW="25414200" imgH="19028520" progId="">
-              <p:embed/>
-            </p:oleObj>
-          </a:graphicData>
-        </a:graphic>
-      </p:graphicFrame>
+        </p:nvPicPr>
+        <p:blipFill>
+          <a:blip r:embed="rId3" cstate="print"/>
+          <a:srcRect/>
+          <a:stretch>
+            <a:fillRect/>
+          </a:stretch>
+        </p:blipFill>
+        <p:spPr bwMode="auto">
+          <a:xfrm>
+            <a:off x="778934" y="2431560"/>
+            <a:ext cx="6637867" cy="4001176"/>
+          </a:xfrm>
+          <a:prstGeom prst="rect">
+            <a:avLst/>
+          </a:prstGeom>
+          <a:noFill/>
+        </p:spPr>
+      </p:pic>
     </p:spTree>
     <p:extLst>
       <p:ext uri="{BB962C8B-B14F-4D97-AF65-F5344CB8AC3E}">
